--- a/SPECIFICATION.pptx
+++ b/SPECIFICATION.pptx
@@ -109,6 +109,11 @@
       </a:defRPr>
     </a:lvl9pPr>
   </p:defaultTextStyle>
+  <p:extLst>
+    <p:ext uri="{EFAFB233-063F-42B5-8137-9DF3F51BA10A}">
+      <p15:sldGuideLst xmlns:p15="http://schemas.microsoft.com/office/powerpoint/2012/main"/>
+    </p:ext>
+  </p:extLst>
 </p:presentation>
 </file>
 
@@ -916,10 +921,18 @@
         <a:lstStyle/>
         <a:p>
           <a:r>
+            <a:rPr kumimoji="1" lang="en-US" dirty="0" err="1"/>
+            <a:t>glob</a:t>
+          </a:r>
+          <a:r>
+            <a:rPr kumimoji="1" lang="en-US" err="1"/>
+            <a:t>_</a:t>
+          </a:r>
+          <a:r>
             <a:rPr kumimoji="1" lang="en-US"/>
-            <a:t>grob_wav</a:t>
+            <a:t>audiofile</a:t>
           </a:r>
-          <a:endParaRPr lang="en-US"/>
+          <a:endParaRPr lang="en-US" dirty="0"/>
         </a:p>
       </dgm:t>
     </dgm:pt>
@@ -957,8 +970,8 @@
             <a:t>フォルダ内の</a:t>
           </a:r>
           <a:r>
-            <a:rPr kumimoji="1" lang="en-US" dirty="0" err="1"/>
-            <a:t>flac</a:t>
+            <a:rPr kumimoji="1" lang="en-US" dirty="0"/>
+            <a:t>wav</a:t>
           </a:r>
           <a:r>
             <a:rPr kumimoji="1" lang="ja-JP" dirty="0"/>
@@ -1219,10 +1232,10 @@
         <a:lstStyle/>
         <a:p>
           <a:r>
-            <a:rPr kumimoji="1" lang="en-US"/>
-            <a:t>grob_flac</a:t>
+            <a:rPr kumimoji="1" lang="en-US" dirty="0" err="1"/>
+            <a:t>glob_audiofile</a:t>
           </a:r>
-          <a:endParaRPr lang="en-US"/>
+          <a:endParaRPr lang="en-US" dirty="0"/>
         </a:p>
       </dgm:t>
     </dgm:pt>
@@ -1346,10 +1359,10 @@
         <a:lstStyle/>
         <a:p>
           <a:r>
-            <a:rPr kumimoji="1" lang="en-US"/>
-            <a:t>check_file</a:t>
+            <a:rPr kumimoji="1" lang="en-US" dirty="0" err="1"/>
+            <a:t>check_audiofile</a:t>
           </a:r>
-          <a:endParaRPr lang="en-US"/>
+          <a:endParaRPr lang="en-US" dirty="0"/>
         </a:p>
       </dgm:t>
     </dgm:pt>
@@ -1428,8 +1441,8 @@
         <a:lstStyle/>
         <a:p>
           <a:r>
-            <a:rPr kumimoji="1" lang="en-US" dirty="0" err="1"/>
-            <a:t>flac</a:t>
+            <a:rPr kumimoji="1" lang="en-US" dirty="0"/>
+            <a:t>wav</a:t>
           </a:r>
           <a:r>
             <a:rPr kumimoji="1" lang="ja-JP" dirty="0"/>
@@ -1774,12 +1787,12 @@
         </a:fontRef>
       </dsp:style>
       <dsp:txBody>
-        <a:bodyPr spcFirstLastPara="0" vert="horz" wrap="square" lIns="8255" tIns="8255" rIns="8255" bIns="8255" numCol="1" spcCol="1270" anchor="ctr" anchorCtr="0">
+        <a:bodyPr spcFirstLastPara="0" vert="horz" wrap="square" lIns="5715" tIns="5715" rIns="5715" bIns="5715" numCol="1" spcCol="1270" anchor="ctr" anchorCtr="0">
           <a:noAutofit/>
         </a:bodyPr>
         <a:lstStyle/>
         <a:p>
-          <a:pPr marL="0" lvl="0" indent="0" algn="ctr" defTabSz="577850">
+          <a:pPr marL="0" lvl="0" indent="0" algn="ctr" defTabSz="400050">
             <a:lnSpc>
               <a:spcPct val="90000"/>
             </a:lnSpc>
@@ -1792,10 +1805,18 @@
             <a:buNone/>
           </a:pPr>
           <a:r>
-            <a:rPr kumimoji="1" lang="en-US" sz="1300" kern="1200"/>
-            <a:t>grob_wav</a:t>
+            <a:rPr kumimoji="1" lang="en-US" sz="900" kern="1200" dirty="0" err="1"/>
+            <a:t>glob</a:t>
           </a:r>
-          <a:endParaRPr lang="en-US" sz="1300" kern="1200"/>
+          <a:r>
+            <a:rPr kumimoji="1" lang="en-US" sz="900" kern="1200" err="1"/>
+            <a:t>_</a:t>
+          </a:r>
+          <a:r>
+            <a:rPr kumimoji="1" lang="en-US" sz="900" kern="1200"/>
+            <a:t>audiofile</a:t>
+          </a:r>
+          <a:endParaRPr lang="en-US" sz="900" kern="1200" dirty="0"/>
         </a:p>
       </dsp:txBody>
       <dsp:txXfrm rot="-5400000">
@@ -1874,8 +1895,8 @@
             <a:t>フォルダ内の</a:t>
           </a:r>
           <a:r>
-            <a:rPr kumimoji="1" lang="en-US" sz="1000" kern="1200" dirty="0" err="1"/>
-            <a:t>flac</a:t>
+            <a:rPr kumimoji="1" lang="en-US" sz="1000" kern="1200" dirty="0"/>
+            <a:t>wav</a:t>
           </a:r>
           <a:r>
             <a:rPr kumimoji="1" lang="ja-JP" sz="1000" kern="1200" dirty="0"/>
@@ -1993,12 +2014,12 @@
         </a:fontRef>
       </dsp:style>
       <dsp:txBody>
-        <a:bodyPr spcFirstLastPara="0" vert="horz" wrap="square" lIns="8255" tIns="8255" rIns="8255" bIns="8255" numCol="1" spcCol="1270" anchor="ctr" anchorCtr="0">
+        <a:bodyPr spcFirstLastPara="0" vert="horz" wrap="square" lIns="5715" tIns="5715" rIns="5715" bIns="5715" numCol="1" spcCol="1270" anchor="ctr" anchorCtr="0">
           <a:noAutofit/>
         </a:bodyPr>
         <a:lstStyle/>
         <a:p>
-          <a:pPr marL="0" lvl="0" indent="0" algn="ctr" defTabSz="577850">
+          <a:pPr marL="0" lvl="0" indent="0" algn="ctr" defTabSz="400050">
             <a:lnSpc>
               <a:spcPct val="90000"/>
             </a:lnSpc>
@@ -2011,10 +2032,10 @@
             <a:buNone/>
           </a:pPr>
           <a:r>
-            <a:rPr kumimoji="1" lang="en-US" sz="1300" kern="1200"/>
+            <a:rPr kumimoji="1" lang="en-US" sz="900" kern="1200"/>
             <a:t>wav2flac</a:t>
           </a:r>
-          <a:endParaRPr lang="en-US" sz="1300" kern="1200"/>
+          <a:endParaRPr lang="en-US" sz="900" kern="1200"/>
         </a:p>
       </dsp:txBody>
       <dsp:txXfrm rot="-5400000">
@@ -2216,12 +2237,12 @@
         </a:fontRef>
       </dsp:style>
       <dsp:txBody>
-        <a:bodyPr spcFirstLastPara="0" vert="horz" wrap="square" lIns="8255" tIns="8255" rIns="8255" bIns="8255" numCol="1" spcCol="1270" anchor="ctr" anchorCtr="0">
+        <a:bodyPr spcFirstLastPara="0" vert="horz" wrap="square" lIns="5715" tIns="5715" rIns="5715" bIns="5715" numCol="1" spcCol="1270" anchor="ctr" anchorCtr="0">
           <a:noAutofit/>
         </a:bodyPr>
         <a:lstStyle/>
         <a:p>
-          <a:pPr marL="0" lvl="0" indent="0" algn="ctr" defTabSz="577850">
+          <a:pPr marL="0" lvl="0" indent="0" algn="ctr" defTabSz="400050">
             <a:lnSpc>
               <a:spcPct val="90000"/>
             </a:lnSpc>
@@ -2234,10 +2255,10 @@
             <a:buNone/>
           </a:pPr>
           <a:r>
-            <a:rPr kumimoji="1" lang="en-US" sz="1300" kern="1200"/>
-            <a:t>grob_flac</a:t>
+            <a:rPr kumimoji="1" lang="en-US" sz="900" kern="1200" dirty="0" err="1"/>
+            <a:t>glob_audiofile</a:t>
           </a:r>
-          <a:endParaRPr lang="en-US" sz="1300" kern="1200"/>
+          <a:endParaRPr lang="en-US" sz="900" kern="1200" dirty="0"/>
         </a:p>
       </dsp:txBody>
       <dsp:txXfrm rot="-5400000">
@@ -2435,12 +2456,12 @@
         </a:fontRef>
       </dsp:style>
       <dsp:txBody>
-        <a:bodyPr spcFirstLastPara="0" vert="horz" wrap="square" lIns="8255" tIns="8255" rIns="8255" bIns="8255" numCol="1" spcCol="1270" anchor="ctr" anchorCtr="0">
+        <a:bodyPr spcFirstLastPara="0" vert="horz" wrap="square" lIns="5715" tIns="5715" rIns="5715" bIns="5715" numCol="1" spcCol="1270" anchor="ctr" anchorCtr="0">
           <a:noAutofit/>
         </a:bodyPr>
         <a:lstStyle/>
         <a:p>
-          <a:pPr marL="0" lvl="0" indent="0" algn="ctr" defTabSz="577850">
+          <a:pPr marL="0" lvl="0" indent="0" algn="ctr" defTabSz="400050">
             <a:lnSpc>
               <a:spcPct val="90000"/>
             </a:lnSpc>
@@ -2453,10 +2474,10 @@
             <a:buNone/>
           </a:pPr>
           <a:r>
-            <a:rPr kumimoji="1" lang="en-US" sz="1300" kern="1200"/>
-            <a:t>check_file</a:t>
+            <a:rPr kumimoji="1" lang="en-US" sz="900" kern="1200" dirty="0" err="1"/>
+            <a:t>check_audiofile</a:t>
           </a:r>
-          <a:endParaRPr lang="en-US" sz="1300" kern="1200"/>
+          <a:endParaRPr lang="en-US" sz="900" kern="1200" dirty="0"/>
         </a:p>
       </dsp:txBody>
       <dsp:txXfrm rot="-5400000">
@@ -2558,8 +2579,8 @@
             <a:buChar char="•"/>
           </a:pPr>
           <a:r>
-            <a:rPr kumimoji="1" lang="en-US" sz="1000" kern="1200" dirty="0" err="1"/>
-            <a:t>flac</a:t>
+            <a:rPr kumimoji="1" lang="en-US" sz="1000" kern="1200" dirty="0"/>
+            <a:t>wav</a:t>
           </a:r>
           <a:r>
             <a:rPr kumimoji="1" lang="ja-JP" sz="1000" kern="1200" dirty="0"/>
@@ -8282,7 +8303,7 @@
             <p:ph idx="1"/>
             <p:extLst>
               <p:ext uri="{D42A27DB-BD31-4B8C-83A1-F6EECF244321}">
-                <p14:modId xmlns:p14="http://schemas.microsoft.com/office/powerpoint/2010/main" val="3688052678"/>
+                <p14:modId xmlns:p14="http://schemas.microsoft.com/office/powerpoint/2010/main" val="1459337446"/>
               </p:ext>
             </p:extLst>
           </p:nvPr>

--- a/SPECIFICATION.pptx
+++ b/SPECIFICATION.pptx
@@ -5,12 +5,13 @@
     <p:sldMasterId id="2147483648" r:id="rId1"/>
   </p:sldMasterIdLst>
   <p:notesMasterIdLst>
-    <p:notesMasterId r:id="rId5"/>
+    <p:notesMasterId r:id="rId6"/>
   </p:notesMasterIdLst>
   <p:sldIdLst>
     <p:sldId id="256" r:id="rId2"/>
     <p:sldId id="257" r:id="rId3"/>
-    <p:sldId id="259" r:id="rId4"/>
+    <p:sldId id="260" r:id="rId4"/>
+    <p:sldId id="259" r:id="rId5"/>
   </p:sldIdLst>
   <p:sldSz cx="12192000" cy="6858000"/>
   <p:notesSz cx="6858000" cy="9144000"/>
@@ -922,15 +923,7 @@
         <a:p>
           <a:r>
             <a:rPr kumimoji="1" lang="en-US" dirty="0" err="1"/>
-            <a:t>glob</a:t>
-          </a:r>
-          <a:r>
-            <a:rPr kumimoji="1" lang="en-US" err="1"/>
-            <a:t>_</a:t>
-          </a:r>
-          <a:r>
-            <a:rPr kumimoji="1" lang="en-US"/>
-            <a:t>audiofile</a:t>
+            <a:t>glob_audiofile</a:t>
           </a:r>
           <a:endParaRPr lang="en-US" dirty="0"/>
         </a:p>
@@ -1806,15 +1799,7 @@
           </a:pPr>
           <a:r>
             <a:rPr kumimoji="1" lang="en-US" sz="900" kern="1200" dirty="0" err="1"/>
-            <a:t>glob</a:t>
-          </a:r>
-          <a:r>
-            <a:rPr kumimoji="1" lang="en-US" sz="900" kern="1200" err="1"/>
-            <a:t>_</a:t>
-          </a:r>
-          <a:r>
-            <a:rPr kumimoji="1" lang="en-US" sz="900" kern="1200"/>
-            <a:t>audiofile</a:t>
+            <a:t>glob_audiofile</a:t>
           </a:r>
           <a:endParaRPr lang="en-US" sz="900" kern="1200" dirty="0"/>
         </a:p>
@@ -3970,7 +3955,7 @@
           <a:p>
             <a:fld id="{0458C080-1FA5-4891-9E35-4408FF77D7C4}" type="datetimeFigureOut">
               <a:rPr kumimoji="1" lang="ja-JP" altLang="en-US" smtClean="0"/>
-              <a:t>2019/11/21</a:t>
+              <a:t>2019/11/25</a:t>
             </a:fld>
             <a:endParaRPr kumimoji="1" lang="ja-JP" altLang="en-US"/>
           </a:p>
@@ -4334,7 +4319,7 @@
           <a:p>
             <a:fld id="{CCB398ED-1E3C-4F1F-9A7E-E7473738CA71}" type="slidenum">
               <a:rPr kumimoji="1" lang="ja-JP" altLang="en-US" smtClean="0"/>
-              <a:t>3</a:t>
+              <a:t>4</a:t>
             </a:fld>
             <a:endParaRPr kumimoji="1" lang="ja-JP" altLang="en-US"/>
           </a:p>
@@ -4500,7 +4485,7 @@
           <a:p>
             <a:fld id="{30E1E8BF-1DF0-49E4-B1DC-D7465F758147}" type="datetimeFigureOut">
               <a:rPr kumimoji="1" lang="ja-JP" altLang="en-US" smtClean="0"/>
-              <a:t>2019/11/21</a:t>
+              <a:t>2019/11/25</a:t>
             </a:fld>
             <a:endParaRPr kumimoji="1" lang="ja-JP" altLang="en-US"/>
           </a:p>
@@ -4730,7 +4715,7 @@
           <a:p>
             <a:fld id="{30E1E8BF-1DF0-49E4-B1DC-D7465F758147}" type="datetimeFigureOut">
               <a:rPr kumimoji="1" lang="ja-JP" altLang="en-US" smtClean="0"/>
-              <a:t>2019/11/21</a:t>
+              <a:t>2019/11/25</a:t>
             </a:fld>
             <a:endParaRPr kumimoji="1" lang="ja-JP" altLang="en-US"/>
           </a:p>
@@ -4970,7 +4955,7 @@
           <a:p>
             <a:fld id="{30E1E8BF-1DF0-49E4-B1DC-D7465F758147}" type="datetimeFigureOut">
               <a:rPr kumimoji="1" lang="ja-JP" altLang="en-US" smtClean="0"/>
-              <a:t>2019/11/21</a:t>
+              <a:t>2019/11/25</a:t>
             </a:fld>
             <a:endParaRPr kumimoji="1" lang="ja-JP" altLang="en-US"/>
           </a:p>
@@ -5200,7 +5185,7 @@
           <a:p>
             <a:fld id="{30E1E8BF-1DF0-49E4-B1DC-D7465F758147}" type="datetimeFigureOut">
               <a:rPr kumimoji="1" lang="ja-JP" altLang="en-US" smtClean="0"/>
-              <a:t>2019/11/21</a:t>
+              <a:t>2019/11/25</a:t>
             </a:fld>
             <a:endParaRPr kumimoji="1" lang="ja-JP" altLang="en-US"/>
           </a:p>
@@ -5475,7 +5460,7 @@
           <a:p>
             <a:fld id="{30E1E8BF-1DF0-49E4-B1DC-D7465F758147}" type="datetimeFigureOut">
               <a:rPr kumimoji="1" lang="ja-JP" altLang="en-US" smtClean="0"/>
-              <a:t>2019/11/21</a:t>
+              <a:t>2019/11/25</a:t>
             </a:fld>
             <a:endParaRPr kumimoji="1" lang="ja-JP" altLang="en-US"/>
           </a:p>
@@ -5804,7 +5789,7 @@
           <a:p>
             <a:fld id="{30E1E8BF-1DF0-49E4-B1DC-D7465F758147}" type="datetimeFigureOut">
               <a:rPr kumimoji="1" lang="ja-JP" altLang="en-US" smtClean="0"/>
-              <a:t>2019/11/21</a:t>
+              <a:t>2019/11/25</a:t>
             </a:fld>
             <a:endParaRPr kumimoji="1" lang="ja-JP" altLang="en-US"/>
           </a:p>
@@ -6280,7 +6265,7 @@
           <a:p>
             <a:fld id="{30E1E8BF-1DF0-49E4-B1DC-D7465F758147}" type="datetimeFigureOut">
               <a:rPr kumimoji="1" lang="ja-JP" altLang="en-US" smtClean="0"/>
-              <a:t>2019/11/21</a:t>
+              <a:t>2019/11/25</a:t>
             </a:fld>
             <a:endParaRPr kumimoji="1" lang="ja-JP" altLang="en-US"/>
           </a:p>
@@ -6421,7 +6406,7 @@
           <a:p>
             <a:fld id="{30E1E8BF-1DF0-49E4-B1DC-D7465F758147}" type="datetimeFigureOut">
               <a:rPr kumimoji="1" lang="ja-JP" altLang="en-US" smtClean="0"/>
-              <a:t>2019/11/21</a:t>
+              <a:t>2019/11/25</a:t>
             </a:fld>
             <a:endParaRPr kumimoji="1" lang="ja-JP" altLang="en-US"/>
           </a:p>
@@ -6534,7 +6519,7 @@
           <a:p>
             <a:fld id="{30E1E8BF-1DF0-49E4-B1DC-D7465F758147}" type="datetimeFigureOut">
               <a:rPr kumimoji="1" lang="ja-JP" altLang="en-US" smtClean="0"/>
-              <a:t>2019/11/21</a:t>
+              <a:t>2019/11/25</a:t>
             </a:fld>
             <a:endParaRPr kumimoji="1" lang="ja-JP" altLang="en-US"/>
           </a:p>
@@ -6877,7 +6862,7 @@
           <a:p>
             <a:fld id="{30E1E8BF-1DF0-49E4-B1DC-D7465F758147}" type="datetimeFigureOut">
               <a:rPr kumimoji="1" lang="ja-JP" altLang="en-US" smtClean="0"/>
-              <a:t>2019/11/21</a:t>
+              <a:t>2019/11/25</a:t>
             </a:fld>
             <a:endParaRPr kumimoji="1" lang="ja-JP" altLang="en-US"/>
           </a:p>
@@ -7165,7 +7150,7 @@
           <a:p>
             <a:fld id="{30E1E8BF-1DF0-49E4-B1DC-D7465F758147}" type="datetimeFigureOut">
               <a:rPr kumimoji="1" lang="ja-JP" altLang="en-US" smtClean="0"/>
-              <a:t>2019/11/21</a:t>
+              <a:t>2019/11/25</a:t>
             </a:fld>
             <a:endParaRPr kumimoji="1" lang="ja-JP" altLang="en-US"/>
           </a:p>
@@ -7438,7 +7423,7 @@
           <a:p>
             <a:fld id="{30E1E8BF-1DF0-49E4-B1DC-D7465F758147}" type="datetimeFigureOut">
               <a:rPr kumimoji="1" lang="ja-JP" altLang="en-US" smtClean="0"/>
-              <a:t>2019/11/21</a:t>
+              <a:t>2019/11/25</a:t>
             </a:fld>
             <a:endParaRPr kumimoji="1" lang="ja-JP" altLang="en-US"/>
           </a:p>
@@ -8030,6 +8015,121 @@
 </file>
 
 <file path=ppt/slides/slide3.xml><?xml version="1.0" encoding="utf-8"?>
+<p:sld xmlns:a="http://schemas.openxmlformats.org/drawingml/2006/main" xmlns:r="http://schemas.openxmlformats.org/officeDocument/2006/relationships" xmlns:p="http://schemas.openxmlformats.org/presentationml/2006/main">
+  <p:cSld>
+    <p:spTree>
+      <p:nvGrpSpPr>
+        <p:cNvPr id="1" name=""/>
+        <p:cNvGrpSpPr/>
+        <p:nvPr/>
+      </p:nvGrpSpPr>
+      <p:grpSpPr>
+        <a:xfrm>
+          <a:off x="0" y="0"/>
+          <a:ext cx="0" cy="0"/>
+          <a:chOff x="0" y="0"/>
+          <a:chExt cx="0" cy="0"/>
+        </a:xfrm>
+      </p:grpSpPr>
+      <p:sp>
+        <p:nvSpPr>
+          <p:cNvPr id="2" name="タイトル 1">
+            <a:extLst>
+              <a:ext uri="{FF2B5EF4-FFF2-40B4-BE49-F238E27FC236}">
+                <a16:creationId xmlns:a16="http://schemas.microsoft.com/office/drawing/2014/main" id="{EED979C3-1089-4FD3-AD7A-5B1D5A5DB004}"/>
+              </a:ext>
+            </a:extLst>
+          </p:cNvPr>
+          <p:cNvSpPr>
+            <a:spLocks noGrp="1"/>
+          </p:cNvSpPr>
+          <p:nvPr>
+            <p:ph type="title"/>
+          </p:nvPr>
+        </p:nvSpPr>
+        <p:spPr/>
+        <p:txBody>
+          <a:bodyPr/>
+          <a:lstStyle/>
+          <a:p>
+            <a:r>
+              <a:rPr kumimoji="1" lang="ja-JP" altLang="en-US" dirty="0"/>
+              <a:t>進捗</a:t>
+            </a:r>
+          </a:p>
+        </p:txBody>
+      </p:sp>
+      <p:sp>
+        <p:nvSpPr>
+          <p:cNvPr id="3" name="コンテンツ プレースホルダー 2">
+            <a:extLst>
+              <a:ext uri="{FF2B5EF4-FFF2-40B4-BE49-F238E27FC236}">
+                <a16:creationId xmlns:a16="http://schemas.microsoft.com/office/drawing/2014/main" id="{84500DC0-62CB-4223-A133-2445A139320E}"/>
+              </a:ext>
+            </a:extLst>
+          </p:cNvPr>
+          <p:cNvSpPr>
+            <a:spLocks noGrp="1"/>
+          </p:cNvSpPr>
+          <p:nvPr>
+            <p:ph idx="1"/>
+          </p:nvPr>
+        </p:nvSpPr>
+        <p:spPr/>
+        <p:txBody>
+          <a:bodyPr/>
+          <a:lstStyle/>
+          <a:p>
+            <a:r>
+              <a:rPr kumimoji="1" lang="en-US" altLang="ja-JP" dirty="0"/>
+              <a:t>ffmpeg.exe</a:t>
+            </a:r>
+            <a:r>
+              <a:rPr kumimoji="1" lang="ja-JP" altLang="en-US"/>
+              <a:t>を使って動いた</a:t>
+            </a:r>
+            <a:r>
+              <a:rPr kumimoji="1" lang="ja-JP" altLang="en-US" dirty="0"/>
+              <a:t>。</a:t>
+            </a:r>
+            <a:endParaRPr kumimoji="1" lang="en-US" altLang="ja-JP" dirty="0"/>
+          </a:p>
+          <a:p>
+            <a:endParaRPr kumimoji="1" lang="en-US" altLang="ja-JP" dirty="0"/>
+          </a:p>
+          <a:p>
+            <a:r>
+              <a:rPr lang="ja-JP" altLang="en-US" dirty="0"/>
+              <a:t>マルチスレッド化したい。</a:t>
+            </a:r>
+            <a:endParaRPr lang="en-US" altLang="ja-JP" dirty="0"/>
+          </a:p>
+          <a:p>
+            <a:r>
+              <a:rPr kumimoji="1" lang="en-US" altLang="ja-JP" dirty="0"/>
+              <a:t>flac.exe</a:t>
+            </a:r>
+            <a:r>
+              <a:rPr kumimoji="1" lang="ja-JP" altLang="en-US" dirty="0"/>
+              <a:t>でも動かせるようにしたい。</a:t>
+            </a:r>
+          </a:p>
+        </p:txBody>
+      </p:sp>
+    </p:spTree>
+    <p:extLst>
+      <p:ext uri="{BB962C8B-B14F-4D97-AF65-F5344CB8AC3E}">
+        <p14:creationId xmlns:p14="http://schemas.microsoft.com/office/powerpoint/2010/main" val="2503565714"/>
+      </p:ext>
+    </p:extLst>
+  </p:cSld>
+  <p:clrMapOvr>
+    <a:masterClrMapping/>
+  </p:clrMapOvr>
+</p:sld>
+</file>
+
+<file path=ppt/slides/slide4.xml><?xml version="1.0" encoding="utf-8"?>
 <p:sld xmlns:a="http://schemas.openxmlformats.org/drawingml/2006/main" xmlns:r="http://schemas.openxmlformats.org/officeDocument/2006/relationships" xmlns:p="http://schemas.openxmlformats.org/presentationml/2006/main">
   <p:cSld>
     <p:bg>
